--- a/MICROFIX.pptx
+++ b/MICROFIX.pptx
@@ -3552,6 +3552,77 @@
           </a:p>
         </p:txBody>
       </p:sp>
+      <p:pic>
+        <p:nvPicPr>
+          <p:cNvPr id="10" name="Picture 9">
+            <a:extLst>
+              <a:ext uri="{FF2B5EF4-FFF2-40B4-BE49-F238E27FC236}">
+                <a16:creationId xmlns:a16="http://schemas.microsoft.com/office/drawing/2014/main" id="{D0A1ABFC-AE90-4EE9-BAA9-5820F5EDC630}"/>
+              </a:ext>
+            </a:extLst>
+          </p:cNvPr>
+          <p:cNvPicPr>
+            <a:picLocks noChangeAspect="1"/>
+          </p:cNvPicPr>
+          <p:nvPr/>
+        </p:nvPicPr>
+        <p:blipFill rotWithShape="1">
+          <a:blip r:embed="rId12">
+            <a:extLst>
+              <a:ext uri="{28A0092B-C50C-407E-A947-70E740481C1C}">
+                <a14:useLocalDpi xmlns:a14="http://schemas.microsoft.com/office/drawing/2010/main" val="0"/>
+              </a:ext>
+            </a:extLst>
+          </a:blip>
+          <a:srcRect l="25791" t="16832" b="13861"/>
+          <a:stretch/>
+        </p:blipFill>
+        <p:spPr>
+          <a:xfrm>
+            <a:off x="15128951" y="0"/>
+            <a:ext cx="3152518" cy="875958"/>
+          </a:xfrm>
+          <a:prstGeom prst="rect">
+            <a:avLst/>
+          </a:prstGeom>
+        </p:spPr>
+      </p:pic>
+      <p:pic>
+        <p:nvPicPr>
+          <p:cNvPr id="11" name="Picture 10">
+            <a:extLst>
+              <a:ext uri="{FF2B5EF4-FFF2-40B4-BE49-F238E27FC236}">
+                <a16:creationId xmlns:a16="http://schemas.microsoft.com/office/drawing/2014/main" id="{241CEA7E-6033-A4E8-4A01-72B54CC0D654}"/>
+              </a:ext>
+            </a:extLst>
+          </p:cNvPr>
+          <p:cNvPicPr>
+            <a:picLocks noChangeAspect="1"/>
+          </p:cNvPicPr>
+          <p:nvPr/>
+        </p:nvPicPr>
+        <p:blipFill>
+          <a:blip r:embed="rId13" cstate="print">
+            <a:extLst>
+              <a:ext uri="{28A0092B-C50C-407E-A947-70E740481C1C}">
+                <a14:useLocalDpi xmlns:a14="http://schemas.microsoft.com/office/drawing/2010/main" val="0"/>
+              </a:ext>
+            </a:extLst>
+          </a:blip>
+          <a:stretch>
+            <a:fillRect/>
+          </a:stretch>
+        </p:blipFill>
+        <p:spPr>
+          <a:xfrm>
+            <a:off x="1231719" y="266700"/>
+            <a:ext cx="1396721" cy="1462393"/>
+          </a:xfrm>
+          <a:prstGeom prst="rect">
+            <a:avLst/>
+          </a:prstGeom>
+        </p:spPr>
+      </p:pic>
     </p:spTree>
   </p:cSld>
   <p:clrMapOvr>
@@ -3938,6 +4009,77 @@
           </a:blipFill>
         </p:spPr>
       </p:sp>
+      <p:pic>
+        <p:nvPicPr>
+          <p:cNvPr id="9" name="Picture 8">
+            <a:extLst>
+              <a:ext uri="{FF2B5EF4-FFF2-40B4-BE49-F238E27FC236}">
+                <a16:creationId xmlns:a16="http://schemas.microsoft.com/office/drawing/2014/main" id="{96629D6F-AB2F-42AB-2B57-4CEE029679F8}"/>
+              </a:ext>
+            </a:extLst>
+          </p:cNvPr>
+          <p:cNvPicPr>
+            <a:picLocks noChangeAspect="1"/>
+          </p:cNvPicPr>
+          <p:nvPr/>
+        </p:nvPicPr>
+        <p:blipFill rotWithShape="1">
+          <a:blip r:embed="rId12">
+            <a:extLst>
+              <a:ext uri="{28A0092B-C50C-407E-A947-70E740481C1C}">
+                <a14:useLocalDpi xmlns:a14="http://schemas.microsoft.com/office/drawing/2010/main" val="0"/>
+              </a:ext>
+            </a:extLst>
+          </a:blip>
+          <a:srcRect l="25791" t="16832" b="13861"/>
+          <a:stretch/>
+        </p:blipFill>
+        <p:spPr>
+          <a:xfrm>
+            <a:off x="15128951" y="0"/>
+            <a:ext cx="3152518" cy="875958"/>
+          </a:xfrm>
+          <a:prstGeom prst="rect">
+            <a:avLst/>
+          </a:prstGeom>
+        </p:spPr>
+      </p:pic>
+      <p:pic>
+        <p:nvPicPr>
+          <p:cNvPr id="10" name="Picture 9">
+            <a:extLst>
+              <a:ext uri="{FF2B5EF4-FFF2-40B4-BE49-F238E27FC236}">
+                <a16:creationId xmlns:a16="http://schemas.microsoft.com/office/drawing/2014/main" id="{67E81F9E-9554-4840-A6CA-C59F6CE31245}"/>
+              </a:ext>
+            </a:extLst>
+          </p:cNvPr>
+          <p:cNvPicPr>
+            <a:picLocks noChangeAspect="1"/>
+          </p:cNvPicPr>
+          <p:nvPr/>
+        </p:nvPicPr>
+        <p:blipFill>
+          <a:blip r:embed="rId13" cstate="print">
+            <a:extLst>
+              <a:ext uri="{28A0092B-C50C-407E-A947-70E740481C1C}">
+                <a14:useLocalDpi xmlns:a14="http://schemas.microsoft.com/office/drawing/2010/main" val="0"/>
+              </a:ext>
+            </a:extLst>
+          </a:blip>
+          <a:stretch>
+            <a:fillRect/>
+          </a:stretch>
+        </p:blipFill>
+        <p:spPr>
+          <a:xfrm>
+            <a:off x="1231719" y="266700"/>
+            <a:ext cx="1396721" cy="1462393"/>
+          </a:xfrm>
+          <a:prstGeom prst="rect">
+            <a:avLst/>
+          </a:prstGeom>
+        </p:spPr>
+      </p:pic>
     </p:spTree>
   </p:cSld>
   <p:clrMapOvr>
@@ -4467,6 +4609,77 @@
           </a:blipFill>
         </p:spPr>
       </p:sp>
+      <p:pic>
+        <p:nvPicPr>
+          <p:cNvPr id="10" name="Picture 9">
+            <a:extLst>
+              <a:ext uri="{FF2B5EF4-FFF2-40B4-BE49-F238E27FC236}">
+                <a16:creationId xmlns:a16="http://schemas.microsoft.com/office/drawing/2014/main" id="{BBD4B7D2-D1B2-FAEC-E495-98BDCD5E6B10}"/>
+              </a:ext>
+            </a:extLst>
+          </p:cNvPr>
+          <p:cNvPicPr>
+            <a:picLocks noChangeAspect="1"/>
+          </p:cNvPicPr>
+          <p:nvPr/>
+        </p:nvPicPr>
+        <p:blipFill rotWithShape="1">
+          <a:blip r:embed="rId12">
+            <a:extLst>
+              <a:ext uri="{28A0092B-C50C-407E-A947-70E740481C1C}">
+                <a14:useLocalDpi xmlns:a14="http://schemas.microsoft.com/office/drawing/2010/main" val="0"/>
+              </a:ext>
+            </a:extLst>
+          </a:blip>
+          <a:srcRect l="25791" t="16832" b="13861"/>
+          <a:stretch/>
+        </p:blipFill>
+        <p:spPr>
+          <a:xfrm>
+            <a:off x="15128951" y="0"/>
+            <a:ext cx="3152518" cy="875958"/>
+          </a:xfrm>
+          <a:prstGeom prst="rect">
+            <a:avLst/>
+          </a:prstGeom>
+        </p:spPr>
+      </p:pic>
+      <p:pic>
+        <p:nvPicPr>
+          <p:cNvPr id="11" name="Picture 10">
+            <a:extLst>
+              <a:ext uri="{FF2B5EF4-FFF2-40B4-BE49-F238E27FC236}">
+                <a16:creationId xmlns:a16="http://schemas.microsoft.com/office/drawing/2014/main" id="{7730F68F-19B3-3921-C43A-C24E73CD9EF1}"/>
+              </a:ext>
+            </a:extLst>
+          </p:cNvPr>
+          <p:cNvPicPr>
+            <a:picLocks noChangeAspect="1"/>
+          </p:cNvPicPr>
+          <p:nvPr/>
+        </p:nvPicPr>
+        <p:blipFill>
+          <a:blip r:embed="rId13" cstate="print">
+            <a:extLst>
+              <a:ext uri="{28A0092B-C50C-407E-A947-70E740481C1C}">
+                <a14:useLocalDpi xmlns:a14="http://schemas.microsoft.com/office/drawing/2010/main" val="0"/>
+              </a:ext>
+            </a:extLst>
+          </a:blip>
+          <a:stretch>
+            <a:fillRect/>
+          </a:stretch>
+        </p:blipFill>
+        <p:spPr>
+          <a:xfrm>
+            <a:off x="1231719" y="266700"/>
+            <a:ext cx="1396721" cy="1462393"/>
+          </a:xfrm>
+          <a:prstGeom prst="rect">
+            <a:avLst/>
+          </a:prstGeom>
+        </p:spPr>
+      </p:pic>
     </p:spTree>
   </p:cSld>
   <p:clrMapOvr>
@@ -4894,6 +5107,77 @@
           </a:blipFill>
         </p:spPr>
       </p:sp>
+      <p:pic>
+        <p:nvPicPr>
+          <p:cNvPr id="10" name="Picture 9">
+            <a:extLst>
+              <a:ext uri="{FF2B5EF4-FFF2-40B4-BE49-F238E27FC236}">
+                <a16:creationId xmlns:a16="http://schemas.microsoft.com/office/drawing/2014/main" id="{6D0111B1-FAF7-ADB1-8917-3BB456380CF4}"/>
+              </a:ext>
+            </a:extLst>
+          </p:cNvPr>
+          <p:cNvPicPr>
+            <a:picLocks noChangeAspect="1"/>
+          </p:cNvPicPr>
+          <p:nvPr/>
+        </p:nvPicPr>
+        <p:blipFill rotWithShape="1">
+          <a:blip r:embed="rId12">
+            <a:extLst>
+              <a:ext uri="{28A0092B-C50C-407E-A947-70E740481C1C}">
+                <a14:useLocalDpi xmlns:a14="http://schemas.microsoft.com/office/drawing/2010/main" val="0"/>
+              </a:ext>
+            </a:extLst>
+          </a:blip>
+          <a:srcRect l="25791" t="16832" b="13861"/>
+          <a:stretch/>
+        </p:blipFill>
+        <p:spPr>
+          <a:xfrm>
+            <a:off x="15128951" y="0"/>
+            <a:ext cx="3152518" cy="875958"/>
+          </a:xfrm>
+          <a:prstGeom prst="rect">
+            <a:avLst/>
+          </a:prstGeom>
+        </p:spPr>
+      </p:pic>
+      <p:pic>
+        <p:nvPicPr>
+          <p:cNvPr id="11" name="Picture 10">
+            <a:extLst>
+              <a:ext uri="{FF2B5EF4-FFF2-40B4-BE49-F238E27FC236}">
+                <a16:creationId xmlns:a16="http://schemas.microsoft.com/office/drawing/2014/main" id="{21496567-9084-67D3-78F7-D7F35FB35910}"/>
+              </a:ext>
+            </a:extLst>
+          </p:cNvPr>
+          <p:cNvPicPr>
+            <a:picLocks noChangeAspect="1"/>
+          </p:cNvPicPr>
+          <p:nvPr/>
+        </p:nvPicPr>
+        <p:blipFill>
+          <a:blip r:embed="rId13" cstate="print">
+            <a:extLst>
+              <a:ext uri="{28A0092B-C50C-407E-A947-70E740481C1C}">
+                <a14:useLocalDpi xmlns:a14="http://schemas.microsoft.com/office/drawing/2010/main" val="0"/>
+              </a:ext>
+            </a:extLst>
+          </a:blip>
+          <a:stretch>
+            <a:fillRect/>
+          </a:stretch>
+        </p:blipFill>
+        <p:spPr>
+          <a:xfrm>
+            <a:off x="1231719" y="266700"/>
+            <a:ext cx="1396721" cy="1462393"/>
+          </a:xfrm>
+          <a:prstGeom prst="rect">
+            <a:avLst/>
+          </a:prstGeom>
+        </p:spPr>
+      </p:pic>
     </p:spTree>
   </p:cSld>
   <p:clrMapOvr>
@@ -5605,6 +5889,77 @@
           </a:blipFill>
         </p:spPr>
       </p:sp>
+      <p:pic>
+        <p:nvPicPr>
+          <p:cNvPr id="10" name="Picture 9">
+            <a:extLst>
+              <a:ext uri="{FF2B5EF4-FFF2-40B4-BE49-F238E27FC236}">
+                <a16:creationId xmlns:a16="http://schemas.microsoft.com/office/drawing/2014/main" id="{DBAA74F6-C982-4A17-91E7-181E9B3ECBA4}"/>
+              </a:ext>
+            </a:extLst>
+          </p:cNvPr>
+          <p:cNvPicPr>
+            <a:picLocks noChangeAspect="1"/>
+          </p:cNvPicPr>
+          <p:nvPr/>
+        </p:nvPicPr>
+        <p:blipFill rotWithShape="1">
+          <a:blip r:embed="rId12">
+            <a:extLst>
+              <a:ext uri="{28A0092B-C50C-407E-A947-70E740481C1C}">
+                <a14:useLocalDpi xmlns:a14="http://schemas.microsoft.com/office/drawing/2010/main" val="0"/>
+              </a:ext>
+            </a:extLst>
+          </a:blip>
+          <a:srcRect l="25791" t="16832" b="13861"/>
+          <a:stretch/>
+        </p:blipFill>
+        <p:spPr>
+          <a:xfrm>
+            <a:off x="15128951" y="0"/>
+            <a:ext cx="3152518" cy="875958"/>
+          </a:xfrm>
+          <a:prstGeom prst="rect">
+            <a:avLst/>
+          </a:prstGeom>
+        </p:spPr>
+      </p:pic>
+      <p:pic>
+        <p:nvPicPr>
+          <p:cNvPr id="11" name="Picture 10">
+            <a:extLst>
+              <a:ext uri="{FF2B5EF4-FFF2-40B4-BE49-F238E27FC236}">
+                <a16:creationId xmlns:a16="http://schemas.microsoft.com/office/drawing/2014/main" id="{29ECFF01-2668-A41B-D061-C1E3FEFD4C04}"/>
+              </a:ext>
+            </a:extLst>
+          </p:cNvPr>
+          <p:cNvPicPr>
+            <a:picLocks noChangeAspect="1"/>
+          </p:cNvPicPr>
+          <p:nvPr/>
+        </p:nvPicPr>
+        <p:blipFill>
+          <a:blip r:embed="rId13" cstate="print">
+            <a:extLst>
+              <a:ext uri="{28A0092B-C50C-407E-A947-70E740481C1C}">
+                <a14:useLocalDpi xmlns:a14="http://schemas.microsoft.com/office/drawing/2010/main" val="0"/>
+              </a:ext>
+            </a:extLst>
+          </a:blip>
+          <a:stretch>
+            <a:fillRect/>
+          </a:stretch>
+        </p:blipFill>
+        <p:spPr>
+          <a:xfrm>
+            <a:off x="1231719" y="266700"/>
+            <a:ext cx="1396721" cy="1462393"/>
+          </a:xfrm>
+          <a:prstGeom prst="rect">
+            <a:avLst/>
+          </a:prstGeom>
+        </p:spPr>
+      </p:pic>
     </p:spTree>
   </p:cSld>
   <p:clrMapOvr>
@@ -6258,6 +6613,135 @@
           </a:blipFill>
         </p:spPr>
       </p:sp>
+      <p:pic>
+        <p:nvPicPr>
+          <p:cNvPr id="9" name="Picture 8">
+            <a:extLst>
+              <a:ext uri="{FF2B5EF4-FFF2-40B4-BE49-F238E27FC236}">
+                <a16:creationId xmlns:a16="http://schemas.microsoft.com/office/drawing/2014/main" id="{2618C887-E26E-C3EC-D7A3-69435E1D8826}"/>
+              </a:ext>
+            </a:extLst>
+          </p:cNvPr>
+          <p:cNvPicPr>
+            <a:picLocks noChangeAspect="1"/>
+          </p:cNvPicPr>
+          <p:nvPr/>
+        </p:nvPicPr>
+        <p:blipFill rotWithShape="1">
+          <a:blip r:embed="rId10">
+            <a:extLst>
+              <a:ext uri="{28A0092B-C50C-407E-A947-70E740481C1C}">
+                <a14:useLocalDpi xmlns:a14="http://schemas.microsoft.com/office/drawing/2010/main" val="0"/>
+              </a:ext>
+            </a:extLst>
+          </a:blip>
+          <a:srcRect l="25791" t="16832" b="13861"/>
+          <a:stretch/>
+        </p:blipFill>
+        <p:spPr>
+          <a:xfrm>
+            <a:off x="15128951" y="0"/>
+            <a:ext cx="3152518" cy="875958"/>
+          </a:xfrm>
+          <a:prstGeom prst="rect">
+            <a:avLst/>
+          </a:prstGeom>
+        </p:spPr>
+      </p:pic>
+      <p:pic>
+        <p:nvPicPr>
+          <p:cNvPr id="10" name="Picture 9">
+            <a:extLst>
+              <a:ext uri="{FF2B5EF4-FFF2-40B4-BE49-F238E27FC236}">
+                <a16:creationId xmlns:a16="http://schemas.microsoft.com/office/drawing/2014/main" id="{36C14221-6636-DD49-A3DF-B4AC62D0D76E}"/>
+              </a:ext>
+            </a:extLst>
+          </p:cNvPr>
+          <p:cNvPicPr>
+            <a:picLocks noChangeAspect="1"/>
+          </p:cNvPicPr>
+          <p:nvPr/>
+        </p:nvPicPr>
+        <p:blipFill>
+          <a:blip r:embed="rId11" cstate="print">
+            <a:extLst>
+              <a:ext uri="{28A0092B-C50C-407E-A947-70E740481C1C}">
+                <a14:useLocalDpi xmlns:a14="http://schemas.microsoft.com/office/drawing/2010/main" val="0"/>
+              </a:ext>
+            </a:extLst>
+          </a:blip>
+          <a:stretch>
+            <a:fillRect/>
+          </a:stretch>
+        </p:blipFill>
+        <p:spPr>
+          <a:xfrm>
+            <a:off x="1238250" y="139335"/>
+            <a:ext cx="1396721" cy="1462393"/>
+          </a:xfrm>
+          <a:prstGeom prst="rect">
+            <a:avLst/>
+          </a:prstGeom>
+        </p:spPr>
+      </p:pic>
+      <p:sp>
+        <p:nvSpPr>
+          <p:cNvPr id="11" name="Freeform 9">
+            <a:extLst>
+              <a:ext uri="{FF2B5EF4-FFF2-40B4-BE49-F238E27FC236}">
+                <a16:creationId xmlns:a16="http://schemas.microsoft.com/office/drawing/2014/main" id="{76BC6B6F-18B7-1AE3-4599-4745AB4CD25D}"/>
+              </a:ext>
+            </a:extLst>
+          </p:cNvPr>
+          <p:cNvSpPr/>
+          <p:nvPr/>
+        </p:nvSpPr>
+        <p:spPr>
+          <a:xfrm>
+            <a:off x="604698" y="650011"/>
+            <a:ext cx="2690952" cy="1345476"/>
+          </a:xfrm>
+          <a:custGeom>
+            <a:avLst/>
+            <a:gdLst/>
+            <a:ahLst/>
+            <a:cxnLst/>
+            <a:rect l="l" t="t" r="r" b="b"/>
+            <a:pathLst>
+              <a:path w="2690952" h="1345476">
+                <a:moveTo>
+                  <a:pt x="0" y="0"/>
+                </a:moveTo>
+                <a:lnTo>
+                  <a:pt x="2690952" y="0"/>
+                </a:lnTo>
+                <a:lnTo>
+                  <a:pt x="2690952" y="1345476"/>
+                </a:lnTo>
+                <a:lnTo>
+                  <a:pt x="0" y="1345476"/>
+                </a:lnTo>
+                <a:lnTo>
+                  <a:pt x="0" y="0"/>
+                </a:lnTo>
+                <a:close/>
+              </a:path>
+            </a:pathLst>
+          </a:custGeom>
+          <a:blipFill>
+            <a:blip r:embed="rId12">
+              <a:extLst>
+                <a:ext uri="{96DAC541-7B7A-43D3-8B79-37D633B846F1}">
+                  <asvg:svgBlip xmlns:asvg="http://schemas.microsoft.com/office/drawing/2016/SVG/main" r:embed="rId13"/>
+                </a:ext>
+              </a:extLst>
+            </a:blip>
+            <a:stretch>
+              <a:fillRect/>
+            </a:stretch>
+          </a:blipFill>
+        </p:spPr>
+      </p:sp>
     </p:spTree>
   </p:cSld>
   <p:clrMapOvr>
@@ -6825,6 +7309,77 @@
           </a:blipFill>
         </p:spPr>
       </p:sp>
+      <p:pic>
+        <p:nvPicPr>
+          <p:cNvPr id="10" name="Picture 9">
+            <a:extLst>
+              <a:ext uri="{FF2B5EF4-FFF2-40B4-BE49-F238E27FC236}">
+                <a16:creationId xmlns:a16="http://schemas.microsoft.com/office/drawing/2014/main" id="{B0DD5AFA-E65D-B47C-FFFB-B8FA0C34580F}"/>
+              </a:ext>
+            </a:extLst>
+          </p:cNvPr>
+          <p:cNvPicPr>
+            <a:picLocks noChangeAspect="1"/>
+          </p:cNvPicPr>
+          <p:nvPr/>
+        </p:nvPicPr>
+        <p:blipFill rotWithShape="1">
+          <a:blip r:embed="rId12">
+            <a:extLst>
+              <a:ext uri="{28A0092B-C50C-407E-A947-70E740481C1C}">
+                <a14:useLocalDpi xmlns:a14="http://schemas.microsoft.com/office/drawing/2010/main" val="0"/>
+              </a:ext>
+            </a:extLst>
+          </a:blip>
+          <a:srcRect l="25791" t="16832" b="13861"/>
+          <a:stretch/>
+        </p:blipFill>
+        <p:spPr>
+          <a:xfrm>
+            <a:off x="15128951" y="0"/>
+            <a:ext cx="3152518" cy="875958"/>
+          </a:xfrm>
+          <a:prstGeom prst="rect">
+            <a:avLst/>
+          </a:prstGeom>
+        </p:spPr>
+      </p:pic>
+      <p:pic>
+        <p:nvPicPr>
+          <p:cNvPr id="11" name="Picture 10">
+            <a:extLst>
+              <a:ext uri="{FF2B5EF4-FFF2-40B4-BE49-F238E27FC236}">
+                <a16:creationId xmlns:a16="http://schemas.microsoft.com/office/drawing/2014/main" id="{685DF425-E81C-DEB0-1EF2-CB202E5DC4DE}"/>
+              </a:ext>
+            </a:extLst>
+          </p:cNvPr>
+          <p:cNvPicPr>
+            <a:picLocks noChangeAspect="1"/>
+          </p:cNvPicPr>
+          <p:nvPr/>
+        </p:nvPicPr>
+        <p:blipFill>
+          <a:blip r:embed="rId13" cstate="print">
+            <a:extLst>
+              <a:ext uri="{28A0092B-C50C-407E-A947-70E740481C1C}">
+                <a14:useLocalDpi xmlns:a14="http://schemas.microsoft.com/office/drawing/2010/main" val="0"/>
+              </a:ext>
+            </a:extLst>
+          </a:blip>
+          <a:stretch>
+            <a:fillRect/>
+          </a:stretch>
+        </p:blipFill>
+        <p:spPr>
+          <a:xfrm>
+            <a:off x="1231719" y="266700"/>
+            <a:ext cx="1396721" cy="1462393"/>
+          </a:xfrm>
+          <a:prstGeom prst="rect">
+            <a:avLst/>
+          </a:prstGeom>
+        </p:spPr>
+      </p:pic>
     </p:spTree>
   </p:cSld>
   <p:clrMapOvr>
@@ -7354,6 +7909,77 @@
           </a:blipFill>
         </p:spPr>
       </p:sp>
+      <p:pic>
+        <p:nvPicPr>
+          <p:cNvPr id="10" name="Picture 9">
+            <a:extLst>
+              <a:ext uri="{FF2B5EF4-FFF2-40B4-BE49-F238E27FC236}">
+                <a16:creationId xmlns:a16="http://schemas.microsoft.com/office/drawing/2014/main" id="{8B5433EA-252F-7070-B183-D0032279B68B}"/>
+              </a:ext>
+            </a:extLst>
+          </p:cNvPr>
+          <p:cNvPicPr>
+            <a:picLocks noChangeAspect="1"/>
+          </p:cNvPicPr>
+          <p:nvPr/>
+        </p:nvPicPr>
+        <p:blipFill rotWithShape="1">
+          <a:blip r:embed="rId12">
+            <a:extLst>
+              <a:ext uri="{28A0092B-C50C-407E-A947-70E740481C1C}">
+                <a14:useLocalDpi xmlns:a14="http://schemas.microsoft.com/office/drawing/2010/main" val="0"/>
+              </a:ext>
+            </a:extLst>
+          </a:blip>
+          <a:srcRect l="25791" t="16832" b="13861"/>
+          <a:stretch/>
+        </p:blipFill>
+        <p:spPr>
+          <a:xfrm>
+            <a:off x="15128951" y="0"/>
+            <a:ext cx="3152518" cy="875958"/>
+          </a:xfrm>
+          <a:prstGeom prst="rect">
+            <a:avLst/>
+          </a:prstGeom>
+        </p:spPr>
+      </p:pic>
+      <p:pic>
+        <p:nvPicPr>
+          <p:cNvPr id="11" name="Picture 10">
+            <a:extLst>
+              <a:ext uri="{FF2B5EF4-FFF2-40B4-BE49-F238E27FC236}">
+                <a16:creationId xmlns:a16="http://schemas.microsoft.com/office/drawing/2014/main" id="{A98B1CDD-3A6B-523A-0C89-05F8454CCA63}"/>
+              </a:ext>
+            </a:extLst>
+          </p:cNvPr>
+          <p:cNvPicPr>
+            <a:picLocks noChangeAspect="1"/>
+          </p:cNvPicPr>
+          <p:nvPr/>
+        </p:nvPicPr>
+        <p:blipFill>
+          <a:blip r:embed="rId13" cstate="print">
+            <a:extLst>
+              <a:ext uri="{28A0092B-C50C-407E-A947-70E740481C1C}">
+                <a14:useLocalDpi xmlns:a14="http://schemas.microsoft.com/office/drawing/2010/main" val="0"/>
+              </a:ext>
+            </a:extLst>
+          </a:blip>
+          <a:stretch>
+            <a:fillRect/>
+          </a:stretch>
+        </p:blipFill>
+        <p:spPr>
+          <a:xfrm>
+            <a:off x="1231719" y="266700"/>
+            <a:ext cx="1396721" cy="1462393"/>
+          </a:xfrm>
+          <a:prstGeom prst="rect">
+            <a:avLst/>
+          </a:prstGeom>
+        </p:spPr>
+      </p:pic>
     </p:spTree>
   </p:cSld>
   <p:clrMapOvr>
@@ -7910,6 +8536,77 @@
           </a:blipFill>
         </p:spPr>
       </p:sp>
+      <p:pic>
+        <p:nvPicPr>
+          <p:cNvPr id="10" name="Picture 9">
+            <a:extLst>
+              <a:ext uri="{FF2B5EF4-FFF2-40B4-BE49-F238E27FC236}">
+                <a16:creationId xmlns:a16="http://schemas.microsoft.com/office/drawing/2014/main" id="{3C62C393-F619-8166-00CF-D69F1F7FDCCA}"/>
+              </a:ext>
+            </a:extLst>
+          </p:cNvPr>
+          <p:cNvPicPr>
+            <a:picLocks noChangeAspect="1"/>
+          </p:cNvPicPr>
+          <p:nvPr/>
+        </p:nvPicPr>
+        <p:blipFill rotWithShape="1">
+          <a:blip r:embed="rId12">
+            <a:extLst>
+              <a:ext uri="{28A0092B-C50C-407E-A947-70E740481C1C}">
+                <a14:useLocalDpi xmlns:a14="http://schemas.microsoft.com/office/drawing/2010/main" val="0"/>
+              </a:ext>
+            </a:extLst>
+          </a:blip>
+          <a:srcRect l="25791" t="16832" b="13861"/>
+          <a:stretch/>
+        </p:blipFill>
+        <p:spPr>
+          <a:xfrm>
+            <a:off x="15128951" y="0"/>
+            <a:ext cx="3152518" cy="875958"/>
+          </a:xfrm>
+          <a:prstGeom prst="rect">
+            <a:avLst/>
+          </a:prstGeom>
+        </p:spPr>
+      </p:pic>
+      <p:pic>
+        <p:nvPicPr>
+          <p:cNvPr id="11" name="Picture 10">
+            <a:extLst>
+              <a:ext uri="{FF2B5EF4-FFF2-40B4-BE49-F238E27FC236}">
+                <a16:creationId xmlns:a16="http://schemas.microsoft.com/office/drawing/2014/main" id="{8F91B2D1-EF4E-71C9-71A5-303CC10193E1}"/>
+              </a:ext>
+            </a:extLst>
+          </p:cNvPr>
+          <p:cNvPicPr>
+            <a:picLocks noChangeAspect="1"/>
+          </p:cNvPicPr>
+          <p:nvPr/>
+        </p:nvPicPr>
+        <p:blipFill>
+          <a:blip r:embed="rId13" cstate="print">
+            <a:extLst>
+              <a:ext uri="{28A0092B-C50C-407E-A947-70E740481C1C}">
+                <a14:useLocalDpi xmlns:a14="http://schemas.microsoft.com/office/drawing/2010/main" val="0"/>
+              </a:ext>
+            </a:extLst>
+          </a:blip>
+          <a:stretch>
+            <a:fillRect/>
+          </a:stretch>
+        </p:blipFill>
+        <p:spPr>
+          <a:xfrm>
+            <a:off x="1231719" y="266700"/>
+            <a:ext cx="1396721" cy="1462393"/>
+          </a:xfrm>
+          <a:prstGeom prst="rect">
+            <a:avLst/>
+          </a:prstGeom>
+        </p:spPr>
+      </p:pic>
     </p:spTree>
   </p:cSld>
   <p:clrMapOvr>
@@ -8437,6 +9134,77 @@
           </a:blipFill>
         </p:spPr>
       </p:sp>
+      <p:pic>
+        <p:nvPicPr>
+          <p:cNvPr id="10" name="Picture 9">
+            <a:extLst>
+              <a:ext uri="{FF2B5EF4-FFF2-40B4-BE49-F238E27FC236}">
+                <a16:creationId xmlns:a16="http://schemas.microsoft.com/office/drawing/2014/main" id="{40DE927D-38EE-DB0F-40B6-46D4EACFAA89}"/>
+              </a:ext>
+            </a:extLst>
+          </p:cNvPr>
+          <p:cNvPicPr>
+            <a:picLocks noChangeAspect="1"/>
+          </p:cNvPicPr>
+          <p:nvPr/>
+        </p:nvPicPr>
+        <p:blipFill rotWithShape="1">
+          <a:blip r:embed="rId12">
+            <a:extLst>
+              <a:ext uri="{28A0092B-C50C-407E-A947-70E740481C1C}">
+                <a14:useLocalDpi xmlns:a14="http://schemas.microsoft.com/office/drawing/2010/main" val="0"/>
+              </a:ext>
+            </a:extLst>
+          </a:blip>
+          <a:srcRect l="25791" t="16832" b="13861"/>
+          <a:stretch/>
+        </p:blipFill>
+        <p:spPr>
+          <a:xfrm>
+            <a:off x="15128951" y="0"/>
+            <a:ext cx="3152518" cy="875958"/>
+          </a:xfrm>
+          <a:prstGeom prst="rect">
+            <a:avLst/>
+          </a:prstGeom>
+        </p:spPr>
+      </p:pic>
+      <p:pic>
+        <p:nvPicPr>
+          <p:cNvPr id="11" name="Picture 10">
+            <a:extLst>
+              <a:ext uri="{FF2B5EF4-FFF2-40B4-BE49-F238E27FC236}">
+                <a16:creationId xmlns:a16="http://schemas.microsoft.com/office/drawing/2014/main" id="{D56AC328-C901-94F3-AA98-AA46F8102265}"/>
+              </a:ext>
+            </a:extLst>
+          </p:cNvPr>
+          <p:cNvPicPr>
+            <a:picLocks noChangeAspect="1"/>
+          </p:cNvPicPr>
+          <p:nvPr/>
+        </p:nvPicPr>
+        <p:blipFill>
+          <a:blip r:embed="rId13" cstate="print">
+            <a:extLst>
+              <a:ext uri="{28A0092B-C50C-407E-A947-70E740481C1C}">
+                <a14:useLocalDpi xmlns:a14="http://schemas.microsoft.com/office/drawing/2010/main" val="0"/>
+              </a:ext>
+            </a:extLst>
+          </a:blip>
+          <a:stretch>
+            <a:fillRect/>
+          </a:stretch>
+        </p:blipFill>
+        <p:spPr>
+          <a:xfrm>
+            <a:off x="1231719" y="190500"/>
+            <a:ext cx="1396721" cy="1462393"/>
+          </a:xfrm>
+          <a:prstGeom prst="rect">
+            <a:avLst/>
+          </a:prstGeom>
+        </p:spPr>
+      </p:pic>
     </p:spTree>
   </p:cSld>
   <p:clrMapOvr>
